--- a/web.ppt.pptx
+++ b/web.ppt.pptx
@@ -5,15 +5,11 @@
     <p:sldMasterId id="2147483744" r:id="rId1"/>
   </p:sldMasterIdLst>
   <p:sldIdLst>
-    <p:sldId id="261" r:id="rId2"/>
-    <p:sldId id="262" r:id="rId3"/>
-    <p:sldId id="263" r:id="rId4"/>
-    <p:sldId id="256" r:id="rId5"/>
-    <p:sldId id="257" r:id="rId6"/>
-    <p:sldId id="258" r:id="rId7"/>
-    <p:sldId id="259" r:id="rId8"/>
-    <p:sldId id="260" r:id="rId9"/>
-    <p:sldId id="264" r:id="rId10"/>
+    <p:sldId id="256" r:id="rId2"/>
+    <p:sldId id="257" r:id="rId3"/>
+    <p:sldId id="258" r:id="rId4"/>
+    <p:sldId id="259" r:id="rId5"/>
+    <p:sldId id="260" r:id="rId6"/>
   </p:sldIdLst>
   <p:sldSz cx="9144000" cy="6858000" type="screen4x3"/>
   <p:notesSz cx="6858000" cy="9144000"/>
@@ -227,7 +223,7 @@
             <a:fld id="{3DBCEA46-82D5-45C1-94D5-E93819432F87}" type="datetimeFigureOut">
               <a:rPr lang="en-US" smtClean="0"/>
               <a:pPr/>
-              <a:t>09/03/2023</a:t>
+              <a:t>18/03/2023</a:t>
             </a:fld>
             <a:endParaRPr lang="en-US"/>
           </a:p>
@@ -455,7 +451,7 @@
             <a:fld id="{3DBCEA46-82D5-45C1-94D5-E93819432F87}" type="datetimeFigureOut">
               <a:rPr lang="en-US" smtClean="0"/>
               <a:pPr/>
-              <a:t>09/03/2023</a:t>
+              <a:t>18/03/2023</a:t>
             </a:fld>
             <a:endParaRPr lang="en-US"/>
           </a:p>
@@ -632,7 +628,7 @@
             <a:fld id="{3DBCEA46-82D5-45C1-94D5-E93819432F87}" type="datetimeFigureOut">
               <a:rPr lang="en-US" smtClean="0"/>
               <a:pPr/>
-              <a:t>09/03/2023</a:t>
+              <a:t>18/03/2023</a:t>
             </a:fld>
             <a:endParaRPr lang="en-US"/>
           </a:p>
@@ -799,7 +795,7 @@
             <a:fld id="{3DBCEA46-82D5-45C1-94D5-E93819432F87}" type="datetimeFigureOut">
               <a:rPr lang="en-US" smtClean="0"/>
               <a:pPr/>
-              <a:t>09/03/2023</a:t>
+              <a:t>18/03/2023</a:t>
             </a:fld>
             <a:endParaRPr lang="en-US"/>
           </a:p>
@@ -1040,7 +1036,7 @@
             <a:fld id="{3DBCEA46-82D5-45C1-94D5-E93819432F87}" type="datetimeFigureOut">
               <a:rPr lang="en-US" smtClean="0"/>
               <a:pPr/>
-              <a:t>09/03/2023</a:t>
+              <a:t>18/03/2023</a:t>
             </a:fld>
             <a:endParaRPr lang="en-US"/>
           </a:p>
@@ -1306,7 +1302,7 @@
             <a:fld id="{3DBCEA46-82D5-45C1-94D5-E93819432F87}" type="datetimeFigureOut">
               <a:rPr lang="en-US" smtClean="0"/>
               <a:pPr/>
-              <a:t>09/03/2023</a:t>
+              <a:t>18/03/2023</a:t>
             </a:fld>
             <a:endParaRPr lang="en-US"/>
           </a:p>
@@ -1682,7 +1678,7 @@
             <a:fld id="{3DBCEA46-82D5-45C1-94D5-E93819432F87}" type="datetimeFigureOut">
               <a:rPr lang="en-US" smtClean="0"/>
               <a:pPr/>
-              <a:t>09/03/2023</a:t>
+              <a:t>18/03/2023</a:t>
             </a:fld>
             <a:endParaRPr lang="en-US"/>
           </a:p>
@@ -1797,7 +1793,7 @@
             <a:fld id="{3DBCEA46-82D5-45C1-94D5-E93819432F87}" type="datetimeFigureOut">
               <a:rPr lang="en-US" smtClean="0"/>
               <a:pPr/>
-              <a:t>09/03/2023</a:t>
+              <a:t>18/03/2023</a:t>
             </a:fld>
             <a:endParaRPr lang="en-US"/>
           </a:p>
@@ -1889,7 +1885,7 @@
             <a:fld id="{3DBCEA46-82D5-45C1-94D5-E93819432F87}" type="datetimeFigureOut">
               <a:rPr lang="en-US" smtClean="0"/>
               <a:pPr/>
-              <a:t>09/03/2023</a:t>
+              <a:t>18/03/2023</a:t>
             </a:fld>
             <a:endParaRPr lang="en-US"/>
           </a:p>
@@ -2149,7 +2145,7 @@
             <a:fld id="{3DBCEA46-82D5-45C1-94D5-E93819432F87}" type="datetimeFigureOut">
               <a:rPr lang="en-US" smtClean="0"/>
               <a:pPr/>
-              <a:t>09/03/2023</a:t>
+              <a:t>18/03/2023</a:t>
             </a:fld>
             <a:endParaRPr lang="en-US"/>
           </a:p>
@@ -2415,7 +2411,7 @@
             <a:fld id="{3DBCEA46-82D5-45C1-94D5-E93819432F87}" type="datetimeFigureOut">
               <a:rPr lang="en-US" smtClean="0"/>
               <a:pPr/>
-              <a:t>09/03/2023</a:t>
+              <a:t>18/03/2023</a:t>
             </a:fld>
             <a:endParaRPr lang="en-US"/>
           </a:p>
@@ -2637,7 +2633,7 @@
             <a:fld id="{3DBCEA46-82D5-45C1-94D5-E93819432F87}" type="datetimeFigureOut">
               <a:rPr lang="en-US" smtClean="0"/>
               <a:pPr/>
-              <a:t>09/03/2023</a:t>
+              <a:t>18/03/2023</a:t>
             </a:fld>
             <a:endParaRPr lang="en-US"/>
           </a:p>
@@ -3070,327 +3066,6 @@
       </p:grpSpPr>
       <p:sp>
         <p:nvSpPr>
-          <p:cNvPr id="5" name="Title 4"/>
-          <p:cNvSpPr>
-            <a:spLocks noGrp="1"/>
-          </p:cNvSpPr>
-          <p:nvPr>
-            <p:ph type="title"/>
-          </p:nvPr>
-        </p:nvSpPr>
-        <p:spPr/>
-        <p:txBody>
-          <a:bodyPr/>
-          <a:lstStyle/>
-          <a:p>
-            <a:r>
-              <a:rPr lang="en-US" dirty="0" smtClean="0"/>
-              <a:t>Project name :</a:t>
-            </a:r>
-            <a:endParaRPr lang="en-US" dirty="0"/>
-          </a:p>
-        </p:txBody>
-      </p:sp>
-      <p:sp>
-        <p:nvSpPr>
-          <p:cNvPr id="6" name="Subtitle 5"/>
-          <p:cNvSpPr>
-            <a:spLocks noGrp="1"/>
-          </p:cNvSpPr>
-          <p:nvPr>
-            <p:ph idx="1"/>
-          </p:nvPr>
-        </p:nvSpPr>
-        <p:spPr/>
-        <p:txBody>
-          <a:bodyPr/>
-          <a:lstStyle/>
-          <a:p>
-            <a:r>
-              <a:rPr lang="en-US" sz="3200" b="1" dirty="0" smtClean="0"/>
-              <a:t>Hair studio</a:t>
-            </a:r>
-            <a:endParaRPr lang="en-US" sz="3200" b="1" dirty="0" smtClean="0"/>
-          </a:p>
-          <a:p>
-            <a:endParaRPr lang="en-US" dirty="0"/>
-          </a:p>
-        </p:txBody>
-      </p:sp>
-      <p:pic>
-        <p:nvPicPr>
-          <p:cNvPr id="8" name="Picture 7" descr="4.jpg"/>
-          <p:cNvPicPr>
-            <a:picLocks noChangeAspect="1"/>
-          </p:cNvPicPr>
-          <p:nvPr/>
-        </p:nvPicPr>
-        <p:blipFill>
-          <a:blip r:embed="rId2"/>
-          <a:stretch>
-            <a:fillRect/>
-          </a:stretch>
-        </p:blipFill>
-        <p:spPr>
-          <a:xfrm>
-            <a:off x="1371600" y="2667000"/>
-            <a:ext cx="6019800" cy="3186953"/>
-          </a:xfrm>
-          <a:prstGeom prst="rect">
-            <a:avLst/>
-          </a:prstGeom>
-        </p:spPr>
-      </p:pic>
-    </p:spTree>
-  </p:cSld>
-  <p:clrMapOvr>
-    <a:masterClrMapping/>
-  </p:clrMapOvr>
-  <p:transition>
-    <p:dissolve/>
-  </p:transition>
-  <p:timing>
-    <p:tnLst>
-      <p:par>
-        <p:cTn id="1" dur="indefinite" restart="never" nodeType="tmRoot"/>
-      </p:par>
-    </p:tnLst>
-  </p:timing>
-</p:sld>
-</file>
-
-<file path=ppt/slides/slide2.xml><?xml version="1.0" encoding="utf-8"?>
-<p:sld xmlns:a="http://schemas.openxmlformats.org/drawingml/2006/main" xmlns:r="http://schemas.openxmlformats.org/officeDocument/2006/relationships" xmlns:p="http://schemas.openxmlformats.org/presentationml/2006/main">
-  <p:cSld>
-    <p:spTree>
-      <p:nvGrpSpPr>
-        <p:cNvPr id="1" name=""/>
-        <p:cNvGrpSpPr/>
-        <p:nvPr/>
-      </p:nvGrpSpPr>
-      <p:grpSpPr>
-        <a:xfrm>
-          <a:off x="0" y="0"/>
-          <a:ext cx="0" cy="0"/>
-          <a:chOff x="0" y="0"/>
-          <a:chExt cx="0" cy="0"/>
-        </a:xfrm>
-      </p:grpSpPr>
-      <p:sp>
-        <p:nvSpPr>
-          <p:cNvPr id="4" name="Title 3"/>
-          <p:cNvSpPr>
-            <a:spLocks noGrp="1"/>
-          </p:cNvSpPr>
-          <p:nvPr>
-            <p:ph type="title"/>
-          </p:nvPr>
-        </p:nvSpPr>
-        <p:spPr>
-          <a:xfrm>
-            <a:off x="533400" y="1295400"/>
-            <a:ext cx="8229600" cy="4114800"/>
-          </a:xfrm>
-        </p:spPr>
-        <p:txBody>
-          <a:bodyPr>
-            <a:normAutofit/>
-          </a:bodyPr>
-          <a:lstStyle/>
-          <a:p>
-            <a:r>
-              <a:rPr lang="en-US" sz="4800" dirty="0" smtClean="0"/>
-              <a:t>Silver</a:t>
-            </a:r>
-            <a:r>
-              <a:rPr lang="en-US" dirty="0" smtClean="0"/>
-              <a:t> oak college</a:t>
-            </a:r>
-            <a:br>
-              <a:rPr lang="en-US" dirty="0" smtClean="0"/>
-            </a:br>
-            <a:r>
-              <a:rPr lang="en-US" dirty="0" smtClean="0"/>
-              <a:t>of </a:t>
-            </a:r>
-            <a:br>
-              <a:rPr lang="en-US" dirty="0" smtClean="0"/>
-            </a:br>
-            <a:r>
-              <a:rPr lang="en-US" dirty="0" smtClean="0"/>
-              <a:t>computer application</a:t>
-            </a:r>
-            <a:endParaRPr lang="en-US" dirty="0"/>
-          </a:p>
-        </p:txBody>
-      </p:sp>
-    </p:spTree>
-  </p:cSld>
-  <p:clrMapOvr>
-    <a:masterClrMapping/>
-  </p:clrMapOvr>
-  <p:transition>
-    <p:wipe dir="r"/>
-  </p:transition>
-  <p:timing>
-    <p:tnLst>
-      <p:par>
-        <p:cTn id="1" dur="indefinite" restart="never" nodeType="tmRoot"/>
-      </p:par>
-    </p:tnLst>
-  </p:timing>
-</p:sld>
-</file>
-
-<file path=ppt/slides/slide3.xml><?xml version="1.0" encoding="utf-8"?>
-<p:sld xmlns:a="http://schemas.openxmlformats.org/drawingml/2006/main" xmlns:r="http://schemas.openxmlformats.org/officeDocument/2006/relationships" xmlns:p="http://schemas.openxmlformats.org/presentationml/2006/main">
-  <p:cSld>
-    <p:spTree>
-      <p:nvGrpSpPr>
-        <p:cNvPr id="1" name=""/>
-        <p:cNvGrpSpPr/>
-        <p:nvPr/>
-      </p:nvGrpSpPr>
-      <p:grpSpPr>
-        <a:xfrm>
-          <a:off x="0" y="0"/>
-          <a:ext cx="0" cy="0"/>
-          <a:chOff x="0" y="0"/>
-          <a:chExt cx="0" cy="0"/>
-        </a:xfrm>
-      </p:grpSpPr>
-      <p:sp>
-        <p:nvSpPr>
-          <p:cNvPr id="3" name="Title 2"/>
-          <p:cNvSpPr>
-            <a:spLocks noGrp="1"/>
-          </p:cNvSpPr>
-          <p:nvPr>
-            <p:ph type="ctrTitle"/>
-          </p:nvPr>
-        </p:nvSpPr>
-        <p:spPr/>
-        <p:txBody>
-          <a:bodyPr/>
-          <a:lstStyle/>
-          <a:p>
-            <a:r>
-              <a:rPr lang="en-US" dirty="0" smtClean="0"/>
-              <a:t>Subject name : INTERSHIP OJT</a:t>
-            </a:r>
-            <a:endParaRPr lang="en-US" dirty="0"/>
-          </a:p>
-        </p:txBody>
-      </p:sp>
-      <p:sp>
-        <p:nvSpPr>
-          <p:cNvPr id="4" name="Subtitle 3"/>
-          <p:cNvSpPr>
-            <a:spLocks noGrp="1"/>
-          </p:cNvSpPr>
-          <p:nvPr>
-            <p:ph type="subTitle" idx="1"/>
-          </p:nvPr>
-        </p:nvSpPr>
-        <p:spPr>
-          <a:xfrm>
-            <a:off x="1143000" y="4114800"/>
-            <a:ext cx="6400800" cy="2286000"/>
-          </a:xfrm>
-        </p:spPr>
-        <p:txBody>
-          <a:bodyPr>
-            <a:normAutofit fontScale="92500" lnSpcReduction="10000"/>
-          </a:bodyPr>
-          <a:lstStyle/>
-          <a:p>
-            <a:pPr algn="l"/>
-            <a:r>
-              <a:rPr lang="en-US" sz="4400" b="1" dirty="0" smtClean="0"/>
-              <a:t>DIV:A</a:t>
-            </a:r>
-          </a:p>
-          <a:p>
-            <a:pPr algn="l"/>
-            <a:r>
-              <a:rPr lang="en-US" sz="4400" b="1" dirty="0" smtClean="0"/>
-              <a:t>SEM: 2</a:t>
-            </a:r>
-            <a:r>
-              <a:rPr lang="en-US" sz="4400" b="1" baseline="30000" dirty="0" smtClean="0"/>
-              <a:t>nd</a:t>
-            </a:r>
-            <a:r>
-              <a:rPr lang="en-US" dirty="0" smtClean="0"/>
-              <a:t> </a:t>
-            </a:r>
-          </a:p>
-          <a:p>
-            <a:pPr algn="l"/>
-            <a:r>
-              <a:rPr lang="en-US" sz="3000" dirty="0" smtClean="0"/>
-              <a:t>Name: </a:t>
-            </a:r>
-            <a:r>
-              <a:rPr lang="en-US" sz="3000" b="1" dirty="0" smtClean="0"/>
-              <a:t>Patel Dev S.</a:t>
-            </a:r>
-          </a:p>
-          <a:p>
-            <a:pPr algn="l"/>
-            <a:r>
-              <a:rPr lang="en-US" sz="3000" b="1" dirty="0" err="1" smtClean="0"/>
-              <a:t>Er</a:t>
-            </a:r>
-            <a:r>
-              <a:rPr lang="en-US" sz="3000" b="1" dirty="0" smtClean="0"/>
-              <a:t>: 2204030102222</a:t>
-            </a:r>
-            <a:endParaRPr lang="en-US" sz="3000" b="1" dirty="0" smtClean="0"/>
-          </a:p>
-          <a:p>
-            <a:pPr algn="l"/>
-            <a:endParaRPr lang="en-US" sz="3000" dirty="0"/>
-          </a:p>
-        </p:txBody>
-      </p:sp>
-    </p:spTree>
-  </p:cSld>
-  <p:clrMapOvr>
-    <a:masterClrMapping/>
-  </p:clrMapOvr>
-  <p:transition>
-    <p:wipe dir="d"/>
-  </p:transition>
-  <p:timing>
-    <p:tnLst>
-      <p:par>
-        <p:cTn id="1" dur="indefinite" restart="never" nodeType="tmRoot"/>
-      </p:par>
-    </p:tnLst>
-  </p:timing>
-</p:sld>
-</file>
-
-<file path=ppt/slides/slide4.xml><?xml version="1.0" encoding="utf-8"?>
-<p:sld xmlns:a="http://schemas.openxmlformats.org/drawingml/2006/main" xmlns:r="http://schemas.openxmlformats.org/officeDocument/2006/relationships" xmlns:p="http://schemas.openxmlformats.org/presentationml/2006/main">
-  <p:cSld>
-    <p:spTree>
-      <p:nvGrpSpPr>
-        <p:cNvPr id="1" name=""/>
-        <p:cNvGrpSpPr/>
-        <p:nvPr/>
-      </p:nvGrpSpPr>
-      <p:grpSpPr>
-        <a:xfrm>
-          <a:off x="0" y="0"/>
-          <a:ext cx="0" cy="0"/>
-          <a:chOff x="0" y="0"/>
-          <a:chExt cx="0" cy="0"/>
-        </a:xfrm>
-      </p:grpSpPr>
-      <p:sp>
-        <p:nvSpPr>
           <p:cNvPr id="2" name="Title 1"/>
           <p:cNvSpPr>
             <a:spLocks noGrp="1"/>
@@ -3628,17 +3303,10 @@
   <p:transition>
     <p:wipe dir="u"/>
   </p:transition>
-  <p:timing>
-    <p:tnLst>
-      <p:par>
-        <p:cTn id="1" dur="indefinite" restart="never" nodeType="tmRoot"/>
-      </p:par>
-    </p:tnLst>
-  </p:timing>
 </p:sld>
 </file>
 
-<file path=ppt/slides/slide5.xml><?xml version="1.0" encoding="utf-8"?>
+<file path=ppt/slides/slide2.xml><?xml version="1.0" encoding="utf-8"?>
 <p:sld xmlns:a="http://schemas.openxmlformats.org/drawingml/2006/main" xmlns:r="http://schemas.openxmlformats.org/officeDocument/2006/relationships" xmlns:p="http://schemas.openxmlformats.org/presentationml/2006/main">
   <p:cSld>
     <p:spTree>
@@ -3736,20 +3404,10 @@
   <p:clrMapOvr>
     <a:masterClrMapping/>
   </p:clrMapOvr>
-  <p:transition>
-    <p:pull dir="d"/>
-  </p:transition>
-  <p:timing>
-    <p:tnLst>
-      <p:par>
-        <p:cTn id="1" dur="indefinite" restart="never" nodeType="tmRoot"/>
-      </p:par>
-    </p:tnLst>
-  </p:timing>
 </p:sld>
 </file>
 
-<file path=ppt/slides/slide6.xml><?xml version="1.0" encoding="utf-8"?>
+<file path=ppt/slides/slide3.xml><?xml version="1.0" encoding="utf-8"?>
 <p:sld xmlns:a="http://schemas.openxmlformats.org/drawingml/2006/main" xmlns:r="http://schemas.openxmlformats.org/officeDocument/2006/relationships" xmlns:p="http://schemas.openxmlformats.org/presentationml/2006/main">
   <p:cSld>
     <p:spTree>
@@ -3881,17 +3539,10 @@
   <p:clrMapOvr>
     <a:masterClrMapping/>
   </p:clrMapOvr>
-  <p:timing>
-    <p:tnLst>
-      <p:par>
-        <p:cTn id="1" dur="indefinite" restart="never" nodeType="tmRoot"/>
-      </p:par>
-    </p:tnLst>
-  </p:timing>
 </p:sld>
 </file>
 
-<file path=ppt/slides/slide7.xml><?xml version="1.0" encoding="utf-8"?>
+<file path=ppt/slides/slide4.xml><?xml version="1.0" encoding="utf-8"?>
 <p:sld xmlns:a="http://schemas.openxmlformats.org/drawingml/2006/main" xmlns:r="http://schemas.openxmlformats.org/officeDocument/2006/relationships" xmlns:p="http://schemas.openxmlformats.org/presentationml/2006/main">
   <p:cSld>
     <p:spTree>
@@ -4032,20 +3683,10 @@
   <p:clrMapOvr>
     <a:masterClrMapping/>
   </p:clrMapOvr>
-  <p:transition>
-    <p:dissolve/>
-  </p:transition>
-  <p:timing>
-    <p:tnLst>
-      <p:par>
-        <p:cTn id="1" dur="indefinite" restart="never" nodeType="tmRoot"/>
-      </p:par>
-    </p:tnLst>
-  </p:timing>
 </p:sld>
 </file>
 
-<file path=ppt/slides/slide8.xml><?xml version="1.0" encoding="utf-8"?>
+<file path=ppt/slides/slide5.xml><?xml version="1.0" encoding="utf-8"?>
 <p:sld xmlns:a="http://schemas.openxmlformats.org/drawingml/2006/main" xmlns:r="http://schemas.openxmlformats.org/officeDocument/2006/relationships" xmlns:p="http://schemas.openxmlformats.org/presentationml/2006/main">
   <p:cSld>
     <p:spTree>
@@ -4165,110 +3806,11 @@
           </a:p>
         </p:txBody>
       </p:sp>
-      <p:pic>
-        <p:nvPicPr>
-          <p:cNvPr id="4" name="Picture 3" descr="34.jpg"/>
-          <p:cNvPicPr>
-            <a:picLocks noChangeAspect="1"/>
-          </p:cNvPicPr>
-          <p:nvPr/>
-        </p:nvPicPr>
-        <p:blipFill>
-          <a:blip r:embed="rId2"/>
-          <a:stretch>
-            <a:fillRect/>
-          </a:stretch>
-        </p:blipFill>
-        <p:spPr>
-          <a:xfrm>
-            <a:off x="4038600" y="2057400"/>
-            <a:ext cx="3233738" cy="3429000"/>
-          </a:xfrm>
-          <a:prstGeom prst="rect">
-            <a:avLst/>
-          </a:prstGeom>
-        </p:spPr>
-      </p:pic>
     </p:spTree>
   </p:cSld>
   <p:clrMapOvr>
     <a:masterClrMapping/>
   </p:clrMapOvr>
-  <p:transition>
-    <p:wipe/>
-  </p:transition>
-  <p:timing>
-    <p:tnLst>
-      <p:par>
-        <p:cTn id="1" dur="indefinite" restart="never" nodeType="tmRoot"/>
-      </p:par>
-    </p:tnLst>
-  </p:timing>
-</p:sld>
-</file>
-
-<file path=ppt/slides/slide9.xml><?xml version="1.0" encoding="utf-8"?>
-<p:sld xmlns:a="http://schemas.openxmlformats.org/drawingml/2006/main" xmlns:r="http://schemas.openxmlformats.org/officeDocument/2006/relationships" xmlns:p="http://schemas.openxmlformats.org/presentationml/2006/main">
-  <p:cSld>
-    <p:spTree>
-      <p:nvGrpSpPr>
-        <p:cNvPr id="1" name=""/>
-        <p:cNvGrpSpPr/>
-        <p:nvPr/>
-      </p:nvGrpSpPr>
-      <p:grpSpPr>
-        <a:xfrm>
-          <a:off x="0" y="0"/>
-          <a:ext cx="0" cy="0"/>
-          <a:chOff x="0" y="0"/>
-          <a:chExt cx="0" cy="0"/>
-        </a:xfrm>
-      </p:grpSpPr>
-      <p:sp>
-        <p:nvSpPr>
-          <p:cNvPr id="2" name="Title 1"/>
-          <p:cNvSpPr>
-            <a:spLocks noGrp="1"/>
-          </p:cNvSpPr>
-          <p:nvPr>
-            <p:ph type="title"/>
-          </p:nvPr>
-        </p:nvSpPr>
-        <p:spPr>
-          <a:xfrm>
-            <a:off x="457200" y="274638"/>
-            <a:ext cx="8229600" cy="5973762"/>
-          </a:xfrm>
-        </p:spPr>
-        <p:txBody>
-          <a:bodyPr>
-            <a:normAutofit/>
-          </a:bodyPr>
-          <a:lstStyle/>
-          <a:p>
-            <a:r>
-              <a:rPr lang="en-US" sz="7200" dirty="0" smtClean="0"/>
-              <a:t>Thank you</a:t>
-            </a:r>
-            <a:endParaRPr lang="en-US" sz="7200" dirty="0"/>
-          </a:p>
-        </p:txBody>
-      </p:sp>
-    </p:spTree>
-  </p:cSld>
-  <p:clrMapOvr>
-    <a:masterClrMapping/>
-  </p:clrMapOvr>
-  <p:transition>
-    <p:dissolve/>
-  </p:transition>
-  <p:timing>
-    <p:tnLst>
-      <p:par>
-        <p:cTn id="1" dur="indefinite" restart="never" nodeType="tmRoot"/>
-      </p:par>
-    </p:tnLst>
-  </p:timing>
 </p:sld>
 </file>
 
